--- a/Presentation/Two-Class Weather Classification.pptx
+++ b/Presentation/Two-Class Weather Classification.pptx
@@ -12539,7 +12539,7 @@
           <a:p>
             <a:r>
               <a:rPr lang="en-US" dirty="0"/>
-              <a:t>Project Overview</a:t>
+              <a:t>Problem</a:t>
             </a:r>
           </a:p>
         </p:txBody>
@@ -12561,8 +12561,15 @@
           <a:p>
             <a:r>
               <a:rPr lang="en-US" dirty="0"/>
-              <a:t>Include a brief overview or summary of your project</a:t>
+              <a:t>Given a single outdoor image, labelling it as either sunny </a:t>
             </a:r>
+            <a:r>
+              <a:rPr lang="en-US"/>
+              <a:t>or cloudy.</a:t>
+            </a:r>
+          </a:p>
+          <a:p>
+            <a:endParaRPr lang="en-US" dirty="0"/>
           </a:p>
         </p:txBody>
       </p:sp>
